--- a/proj_AI/1st week/6_이다연_최종병합.pptx
+++ b/proj_AI/1st week/6_이다연_최종병합.pptx
@@ -4112,7 +4112,7 @@
         </p:nvSpPr>
         <p:spPr>
           <a:xfrm>
-            <a:off x="1204153" y="1196752"/>
+            <a:off x="1259632" y="1196752"/>
             <a:ext cx="2043285" cy="4591000"/>
           </a:xfrm>
           <a:prstGeom prst="downArrow">
@@ -4177,11 +4177,7 @@
           <a:p>
             <a:r>
               <a:rPr lang="ko-KR" altLang="en-US" sz="2800" b="1" dirty="0" smtClean="0"/>
-              <a:t>향후 </a:t>
-            </a:r>
-            <a:r>
-              <a:rPr lang="ko-KR" altLang="en-US" sz="2800" b="1" dirty="0" smtClean="0"/>
-              <a:t>계획</a:t>
+              <a:t>향후 계획</a:t>
             </a:r>
             <a:endParaRPr lang="ko-KR" altLang="en-US" sz="2800" b="1" dirty="0"/>
           </a:p>
@@ -4285,7 +4281,7 @@
         </p:nvSpPr>
         <p:spPr>
           <a:xfrm>
-            <a:off x="2917109" y="1802336"/>
+            <a:off x="3133133" y="1802336"/>
             <a:ext cx="3676006" cy="369332"/>
           </a:xfrm>
           <a:prstGeom prst="rect">
@@ -4315,7 +4311,7 @@
         </p:nvSpPr>
         <p:spPr>
           <a:xfrm>
-            <a:off x="2917109" y="1340768"/>
+            <a:off x="3133133" y="1340768"/>
             <a:ext cx="2589170" cy="369332"/>
           </a:xfrm>
           <a:prstGeom prst="rect">
@@ -4345,7 +4341,7 @@
         </p:nvSpPr>
         <p:spPr>
           <a:xfrm>
-            <a:off x="2987824" y="3032956"/>
+            <a:off x="3133133" y="3032956"/>
             <a:ext cx="4681090" cy="369332"/>
           </a:xfrm>
           <a:prstGeom prst="rect">
@@ -4383,7 +4379,7 @@
         </p:nvSpPr>
         <p:spPr>
           <a:xfrm>
-            <a:off x="3017170" y="4669274"/>
+            <a:off x="3133133" y="4669274"/>
             <a:ext cx="2820003" cy="369332"/>
           </a:xfrm>
           <a:prstGeom prst="rect">
@@ -4413,7 +4409,7 @@
         </p:nvSpPr>
         <p:spPr>
           <a:xfrm>
-            <a:off x="2987824" y="3573016"/>
+            <a:off x="3133133" y="3573016"/>
             <a:ext cx="3445175" cy="369332"/>
           </a:xfrm>
           <a:prstGeom prst="rect">
@@ -4443,7 +4439,7 @@
         </p:nvSpPr>
         <p:spPr>
           <a:xfrm>
-            <a:off x="3344216" y="3311406"/>
+            <a:off x="3133133" y="3311406"/>
             <a:ext cx="4612160" cy="261610"/>
           </a:xfrm>
           <a:prstGeom prst="rect">
@@ -4509,7 +4505,7 @@
         </p:nvSpPr>
         <p:spPr>
           <a:xfrm>
-            <a:off x="2987824" y="5130480"/>
+            <a:off x="3133133" y="5130480"/>
             <a:ext cx="2672527" cy="369332"/>
           </a:xfrm>
           <a:prstGeom prst="rect">
@@ -7295,7 +7291,6 @@
               <a:rPr lang="ko-KR" altLang="en-US" sz="2800" b="1" dirty="0"/>
               <a:t>록</a:t>
             </a:r>
-            <a:endParaRPr lang="ko-KR" altLang="en-US" sz="2800" b="1" dirty="0"/>
           </a:p>
         </p:txBody>
       </p:sp>
